--- a/Queue it up.pptx
+++ b/Queue it up.pptx
@@ -3347,9 +3347,9 @@
         <p:grpSpPr>
           <a:xfrm>
             <a:off x="605481" y="296559"/>
-            <a:ext cx="3880022" cy="5894172"/>
+            <a:ext cx="3880022" cy="5936079"/>
             <a:chOff x="605481" y="481914"/>
-            <a:chExt cx="3880022" cy="5894172"/>
+            <a:chExt cx="3880022" cy="5936079"/>
           </a:xfrm>
         </p:grpSpPr>
         <p:sp>
@@ -3367,7 +3367,7 @@
           <p:spPr>
             <a:xfrm>
               <a:off x="630195" y="1062681"/>
-              <a:ext cx="3855308" cy="5078313"/>
+              <a:ext cx="3855308" cy="5355312"/>
             </a:xfrm>
             <a:prstGeom prst="rect">
               <a:avLst/>
@@ -3518,7 +3518,7 @@
                     <a:schemeClr val="bg1"/>
                   </a:solidFill>
                 </a:rPr>
-                <a:t>() executes</a:t>
+                <a:t>() executes removing first task from queue</a:t>
               </a:r>
             </a:p>
             <a:p>
@@ -3608,21 +3608,8 @@
                     <a:schemeClr val="bg1"/>
                   </a:solidFill>
                 </a:rPr>
-                <a:t> button </a:t>
-              </a:r>
-              <a:r>
-                <a:rPr lang="en-US" dirty="0" err="1">
-                  <a:solidFill>
-                    <a:schemeClr val="bg1"/>
-                  </a:solidFill>
-                </a:rPr>
-                <a:t>blick</a:t>
-              </a:r>
-              <a:endParaRPr lang="en-US" dirty="0">
-                <a:solidFill>
-                  <a:schemeClr val="bg1"/>
-                </a:solidFill>
-              </a:endParaRPr>
+                <a:t> button click</a:t>
+              </a:r>
             </a:p>
             <a:p>
               <a:pPr marL="342900" indent="-342900">
@@ -3765,9 +3752,9 @@
         <p:grpSpPr>
           <a:xfrm>
             <a:off x="4914556" y="296559"/>
-            <a:ext cx="3880022" cy="5894172"/>
+            <a:ext cx="3880022" cy="4086255"/>
             <a:chOff x="605481" y="481914"/>
-            <a:chExt cx="3880022" cy="5894172"/>
+            <a:chExt cx="3880022" cy="4086255"/>
           </a:xfrm>
         </p:grpSpPr>
         <p:sp>
@@ -3985,7 +3972,7 @@
           <p:spPr>
             <a:xfrm>
               <a:off x="605481" y="976184"/>
-              <a:ext cx="3880022" cy="5399902"/>
+              <a:ext cx="3880022" cy="3591985"/>
             </a:xfrm>
             <a:prstGeom prst="roundRect">
               <a:avLst>
@@ -4096,9 +4083,9 @@
         <p:grpSpPr>
           <a:xfrm>
             <a:off x="9223631" y="296559"/>
-            <a:ext cx="3880022" cy="5894172"/>
+            <a:ext cx="3880022" cy="4086255"/>
             <a:chOff x="605481" y="481914"/>
-            <a:chExt cx="3880022" cy="5894172"/>
+            <a:chExt cx="3880022" cy="4086255"/>
           </a:xfrm>
         </p:grpSpPr>
         <p:sp>
@@ -4316,7 +4303,7 @@
           <p:spPr>
             <a:xfrm>
               <a:off x="605481" y="976184"/>
-              <a:ext cx="3880022" cy="5399902"/>
+              <a:ext cx="3880022" cy="3591985"/>
             </a:xfrm>
             <a:prstGeom prst="roundRect">
               <a:avLst>
@@ -4467,6 +4454,198 @@
           </a:p>
         </p:txBody>
       </p:sp>
+      <p:sp>
+        <p:nvSpPr>
+          <p:cNvPr id="20" name="TextBox 19">
+            <a:extLst>
+              <a:ext uri="{FF2B5EF4-FFF2-40B4-BE49-F238E27FC236}">
+                <a16:creationId xmlns:a16="http://schemas.microsoft.com/office/drawing/2014/main" id="{93E905B1-F377-634B-87B9-ECB42ED182C3}"/>
+              </a:ext>
+            </a:extLst>
+          </p:cNvPr>
+          <p:cNvSpPr txBox="1"/>
+          <p:nvPr/>
+        </p:nvSpPr>
+        <p:spPr>
+          <a:xfrm>
+            <a:off x="4939270" y="5482396"/>
+            <a:ext cx="3432350" cy="584775"/>
+          </a:xfrm>
+          <a:prstGeom prst="rect">
+            <a:avLst/>
+          </a:prstGeom>
+          <a:noFill/>
+        </p:spPr>
+        <p:txBody>
+          <a:bodyPr wrap="none" rtlCol="0">
+            <a:spAutoFit/>
+          </a:bodyPr>
+          <a:lstStyle/>
+          <a:p>
+            <a:r>
+              <a:rPr lang="en-US" sz="3200" dirty="0">
+                <a:solidFill>
+                  <a:schemeClr val="bg1"/>
+                </a:solidFill>
+              </a:rPr>
+              <a:t>[</a:t>
+            </a:r>
+            <a:r>
+              <a:rPr lang="en-US" sz="3200" dirty="0">
+                <a:solidFill>
+                  <a:schemeClr val="bg1"/>
+                </a:solidFill>
+                <a:latin typeface="Apple Chancery" panose="03020702040506060504" pitchFamily="66" charset="-79"/>
+                <a:cs typeface="Apple Chancery" panose="03020702040506060504" pitchFamily="66" charset="-79"/>
+              </a:rPr>
+              <a:t>f,   f,   f,   f, …   f </a:t>
+            </a:r>
+            <a:r>
+              <a:rPr lang="en-US" sz="3200" dirty="0">
+                <a:solidFill>
+                  <a:schemeClr val="bg1"/>
+                </a:solidFill>
+              </a:rPr>
+              <a:t>]</a:t>
+            </a:r>
+            <a:endParaRPr lang="en-US" dirty="0">
+              <a:solidFill>
+                <a:schemeClr val="bg1"/>
+              </a:solidFill>
+            </a:endParaRPr>
+          </a:p>
+        </p:txBody>
+      </p:sp>
+      <p:cxnSp>
+        <p:nvCxnSpPr>
+          <p:cNvPr id="22" name="Straight Arrow Connector 21">
+            <a:extLst>
+              <a:ext uri="{FF2B5EF4-FFF2-40B4-BE49-F238E27FC236}">
+                <a16:creationId xmlns:a16="http://schemas.microsoft.com/office/drawing/2014/main" id="{4987B3B1-1FEC-ADD7-DB28-6405CBAABD06}"/>
+              </a:ext>
+            </a:extLst>
+          </p:cNvPr>
+          <p:cNvCxnSpPr/>
+          <p:nvPr/>
+        </p:nvCxnSpPr>
+        <p:spPr>
+          <a:xfrm flipH="1">
+            <a:off x="5955700" y="1828800"/>
+            <a:ext cx="1138783" cy="3489434"/>
+          </a:xfrm>
+          <a:prstGeom prst="straightConnector1">
+            <a:avLst/>
+          </a:prstGeom>
+          <a:ln w="76200">
+            <a:solidFill>
+              <a:schemeClr val="bg1"/>
+            </a:solidFill>
+            <a:tailEnd type="triangle"/>
+          </a:ln>
+        </p:spPr>
+        <p:style>
+          <a:lnRef idx="2">
+            <a:schemeClr val="accent1"/>
+          </a:lnRef>
+          <a:fillRef idx="0">
+            <a:schemeClr val="accent1"/>
+          </a:fillRef>
+          <a:effectRef idx="1">
+            <a:schemeClr val="accent1"/>
+          </a:effectRef>
+          <a:fontRef idx="minor">
+            <a:schemeClr val="tx1"/>
+          </a:fontRef>
+        </p:style>
+      </p:cxnSp>
+      <p:cxnSp>
+        <p:nvCxnSpPr>
+          <p:cNvPr id="23" name="Straight Arrow Connector 22">
+            <a:extLst>
+              <a:ext uri="{FF2B5EF4-FFF2-40B4-BE49-F238E27FC236}">
+                <a16:creationId xmlns:a16="http://schemas.microsoft.com/office/drawing/2014/main" id="{803326DB-3E6B-380B-E14C-4C23E9B3B5DB}"/>
+              </a:ext>
+            </a:extLst>
+          </p:cNvPr>
+          <p:cNvCxnSpPr>
+            <a:cxnSpLocks/>
+          </p:cNvCxnSpPr>
+          <p:nvPr/>
+        </p:nvCxnSpPr>
+        <p:spPr>
+          <a:xfrm flipH="1">
+            <a:off x="8029903" y="1746063"/>
+            <a:ext cx="2107325" cy="3736333"/>
+          </a:xfrm>
+          <a:prstGeom prst="straightConnector1">
+            <a:avLst/>
+          </a:prstGeom>
+          <a:ln w="76200">
+            <a:solidFill>
+              <a:schemeClr val="bg1"/>
+            </a:solidFill>
+            <a:tailEnd type="triangle"/>
+          </a:ln>
+        </p:spPr>
+        <p:style>
+          <a:lnRef idx="2">
+            <a:schemeClr val="accent1"/>
+          </a:lnRef>
+          <a:fillRef idx="0">
+            <a:schemeClr val="accent1"/>
+          </a:fillRef>
+          <a:effectRef idx="1">
+            <a:schemeClr val="accent1"/>
+          </a:effectRef>
+          <a:fontRef idx="minor">
+            <a:schemeClr val="tx1"/>
+          </a:fontRef>
+        </p:style>
+      </p:cxnSp>
+      <p:cxnSp>
+        <p:nvCxnSpPr>
+          <p:cNvPr id="26" name="Straight Arrow Connector 25">
+            <a:extLst>
+              <a:ext uri="{FF2B5EF4-FFF2-40B4-BE49-F238E27FC236}">
+                <a16:creationId xmlns:a16="http://schemas.microsoft.com/office/drawing/2014/main" id="{493612AD-AC19-5C44-76C8-3386B7689D47}"/>
+              </a:ext>
+            </a:extLst>
+          </p:cNvPr>
+          <p:cNvCxnSpPr>
+            <a:cxnSpLocks/>
+          </p:cNvCxnSpPr>
+          <p:nvPr/>
+        </p:nvCxnSpPr>
+        <p:spPr>
+          <a:xfrm>
+            <a:off x="4319520" y="1746063"/>
+            <a:ext cx="976476" cy="3601765"/>
+          </a:xfrm>
+          <a:prstGeom prst="straightConnector1">
+            <a:avLst/>
+          </a:prstGeom>
+          <a:ln w="76200">
+            <a:solidFill>
+              <a:schemeClr val="bg1"/>
+            </a:solidFill>
+            <a:tailEnd type="triangle"/>
+          </a:ln>
+        </p:spPr>
+        <p:style>
+          <a:lnRef idx="2">
+            <a:schemeClr val="accent1"/>
+          </a:lnRef>
+          <a:fillRef idx="0">
+            <a:schemeClr val="accent1"/>
+          </a:fillRef>
+          <a:effectRef idx="1">
+            <a:schemeClr val="accent1"/>
+          </a:effectRef>
+          <a:fontRef idx="minor">
+            <a:schemeClr val="tx1"/>
+          </a:fontRef>
+        </p:style>
+      </p:cxnSp>
     </p:spTree>
     <p:extLst>
       <p:ext uri="{BB962C8B-B14F-4D97-AF65-F5344CB8AC3E}">
